--- a/答辩PPT.pptx
+++ b/答辩PPT.pptx
@@ -117,6 +117,11 @@
       </a:defRPr>
     </a:lvl9pPr>
   </p:defaultTextStyle>
+  <p:extLst>
+    <p:ext uri="{EFAFB233-063F-42B5-8137-9DF3F51BA10A}">
+      <p15:sldGuideLst xmlns:p15="http://schemas.microsoft.com/office/powerpoint/2012/main"/>
+    </p:ext>
+  </p:extLst>
 </p:presentation>
 </file>
 
@@ -275,7 +280,7 @@
           <a:p>
             <a:fld id="{76692567-8FA2-481F-9E0A-2CBA0A5BB3F7}" type="datetimeFigureOut">
               <a:rPr lang="zh-CN" altLang="en-US" smtClean="0"/>
-              <a:t>2024/1/25</a:t>
+              <a:t>2024/1/27</a:t>
             </a:fld>
             <a:endParaRPr lang="zh-CN" altLang="en-US"/>
           </a:p>
@@ -473,7 +478,7 @@
           <a:p>
             <a:fld id="{76692567-8FA2-481F-9E0A-2CBA0A5BB3F7}" type="datetimeFigureOut">
               <a:rPr lang="zh-CN" altLang="en-US" smtClean="0"/>
-              <a:t>2024/1/25</a:t>
+              <a:t>2024/1/27</a:t>
             </a:fld>
             <a:endParaRPr lang="zh-CN" altLang="en-US"/>
           </a:p>
@@ -681,7 +686,7 @@
           <a:p>
             <a:fld id="{76692567-8FA2-481F-9E0A-2CBA0A5BB3F7}" type="datetimeFigureOut">
               <a:rPr lang="zh-CN" altLang="en-US" smtClean="0"/>
-              <a:t>2024/1/25</a:t>
+              <a:t>2024/1/27</a:t>
             </a:fld>
             <a:endParaRPr lang="zh-CN" altLang="en-US"/>
           </a:p>
@@ -879,7 +884,7 @@
           <a:p>
             <a:fld id="{76692567-8FA2-481F-9E0A-2CBA0A5BB3F7}" type="datetimeFigureOut">
               <a:rPr lang="zh-CN" altLang="en-US" smtClean="0"/>
-              <a:t>2024/1/25</a:t>
+              <a:t>2024/1/27</a:t>
             </a:fld>
             <a:endParaRPr lang="zh-CN" altLang="en-US"/>
           </a:p>
@@ -1154,7 +1159,7 @@
           <a:p>
             <a:fld id="{76692567-8FA2-481F-9E0A-2CBA0A5BB3F7}" type="datetimeFigureOut">
               <a:rPr lang="zh-CN" altLang="en-US" smtClean="0"/>
-              <a:t>2024/1/25</a:t>
+              <a:t>2024/1/27</a:t>
             </a:fld>
             <a:endParaRPr lang="zh-CN" altLang="en-US"/>
           </a:p>
@@ -1419,7 +1424,7 @@
           <a:p>
             <a:fld id="{76692567-8FA2-481F-9E0A-2CBA0A5BB3F7}" type="datetimeFigureOut">
               <a:rPr lang="zh-CN" altLang="en-US" smtClean="0"/>
-              <a:t>2024/1/25</a:t>
+              <a:t>2024/1/27</a:t>
             </a:fld>
             <a:endParaRPr lang="zh-CN" altLang="en-US"/>
           </a:p>
@@ -1831,7 +1836,7 @@
           <a:p>
             <a:fld id="{76692567-8FA2-481F-9E0A-2CBA0A5BB3F7}" type="datetimeFigureOut">
               <a:rPr lang="zh-CN" altLang="en-US" smtClean="0"/>
-              <a:t>2024/1/25</a:t>
+              <a:t>2024/1/27</a:t>
             </a:fld>
             <a:endParaRPr lang="zh-CN" altLang="en-US"/>
           </a:p>
@@ -1972,7 +1977,7 @@
           <a:p>
             <a:fld id="{76692567-8FA2-481F-9E0A-2CBA0A5BB3F7}" type="datetimeFigureOut">
               <a:rPr lang="zh-CN" altLang="en-US" smtClean="0"/>
-              <a:t>2024/1/25</a:t>
+              <a:t>2024/1/27</a:t>
             </a:fld>
             <a:endParaRPr lang="zh-CN" altLang="en-US"/>
           </a:p>
@@ -2085,7 +2090,7 @@
           <a:p>
             <a:fld id="{76692567-8FA2-481F-9E0A-2CBA0A5BB3F7}" type="datetimeFigureOut">
               <a:rPr lang="zh-CN" altLang="en-US" smtClean="0"/>
-              <a:t>2024/1/25</a:t>
+              <a:t>2024/1/27</a:t>
             </a:fld>
             <a:endParaRPr lang="zh-CN" altLang="en-US"/>
           </a:p>
@@ -2396,7 +2401,7 @@
           <a:p>
             <a:fld id="{76692567-8FA2-481F-9E0A-2CBA0A5BB3F7}" type="datetimeFigureOut">
               <a:rPr lang="zh-CN" altLang="en-US" smtClean="0"/>
-              <a:t>2024/1/25</a:t>
+              <a:t>2024/1/27</a:t>
             </a:fld>
             <a:endParaRPr lang="zh-CN" altLang="en-US"/>
           </a:p>
@@ -2684,7 +2689,7 @@
           <a:p>
             <a:fld id="{76692567-8FA2-481F-9E0A-2CBA0A5BB3F7}" type="datetimeFigureOut">
               <a:rPr lang="zh-CN" altLang="en-US" smtClean="0"/>
-              <a:t>2024/1/25</a:t>
+              <a:t>2024/1/27</a:t>
             </a:fld>
             <a:endParaRPr lang="zh-CN" altLang="en-US"/>
           </a:p>
@@ -2925,7 +2930,7 @@
           <a:p>
             <a:fld id="{76692567-8FA2-481F-9E0A-2CBA0A5BB3F7}" type="datetimeFigureOut">
               <a:rPr lang="zh-CN" altLang="en-US" smtClean="0"/>
-              <a:t>2024/1/25</a:t>
+              <a:t>2024/1/27</a:t>
             </a:fld>
             <a:endParaRPr lang="zh-CN" altLang="en-US"/>
           </a:p>
@@ -3905,7 +3910,7 @@
                 <a:latin typeface="微软雅黑" panose="020B0503020204020204" pitchFamily="34" charset="-122"/>
                 <a:ea typeface="微软雅黑" panose="020B0503020204020204" pitchFamily="34" charset="-122"/>
               </a:rPr>
-              <a:t>1010.31kg</a:t>
+              <a:t>1010.35kg</a:t>
             </a:r>
           </a:p>
           <a:p>
@@ -4613,8 +4618,8 @@
           </a:prstGeom>
         </p:spPr>
       </p:pic>
-      <mc:AlternateContent xmlns:mc="http://schemas.openxmlformats.org/markup-compatibility/2006">
-        <mc:Choice xmlns:a14="http://schemas.microsoft.com/office/drawing/2010/main" Requires="a14">
+      <mc:AlternateContent xmlns:mc="http://schemas.openxmlformats.org/markup-compatibility/2006" xmlns:a14="http://schemas.microsoft.com/office/drawing/2010/main">
+        <mc:Choice Requires="a14">
           <p:sp>
             <p:nvSpPr>
               <p:cNvPr id="7" name="文本框 6">
@@ -5497,7 +5502,7 @@
             </p:txBody>
           </p:sp>
         </mc:Choice>
-        <mc:Fallback>
+        <mc:Fallback xmlns="">
           <p:sp>
             <p:nvSpPr>
               <p:cNvPr id="7" name="文本框 6">
@@ -5672,8 +5677,8 @@
           </a:p>
         </p:txBody>
       </p:sp>
-      <mc:AlternateContent xmlns:mc="http://schemas.openxmlformats.org/markup-compatibility/2006">
-        <mc:Choice xmlns:a14="http://schemas.microsoft.com/office/drawing/2010/main" Requires="a14">
+      <mc:AlternateContent xmlns:mc="http://schemas.openxmlformats.org/markup-compatibility/2006" xmlns:a14="http://schemas.microsoft.com/office/drawing/2010/main">
+        <mc:Choice Requires="a14">
           <p:sp>
             <p:nvSpPr>
               <p:cNvPr id="14" name="文本框 13">
@@ -5702,6 +5707,7 @@
               </a:bodyPr>
               <a:lstStyle/>
               <a:p>
+                <a:pPr/>
                 <a14:m>
                   <m:oMathPara xmlns:m="http://schemas.openxmlformats.org/officeDocument/2006/math">
                     <m:oMathParaPr>
@@ -5801,7 +5807,7 @@
             </p:txBody>
           </p:sp>
         </mc:Choice>
-        <mc:Fallback>
+        <mc:Fallback xmlns="">
           <p:sp>
             <p:nvSpPr>
               <p:cNvPr id="14" name="文本框 13">
@@ -5846,8 +5852,8 @@
           </p:sp>
         </mc:Fallback>
       </mc:AlternateContent>
-      <mc:AlternateContent xmlns:mc="http://schemas.openxmlformats.org/markup-compatibility/2006">
-        <mc:Choice xmlns:a14="http://schemas.microsoft.com/office/drawing/2010/main" Requires="a14">
+      <mc:AlternateContent xmlns:mc="http://schemas.openxmlformats.org/markup-compatibility/2006" xmlns:a14="http://schemas.microsoft.com/office/drawing/2010/main">
+        <mc:Choice Requires="a14">
           <p:sp>
             <p:nvSpPr>
               <p:cNvPr id="15" name="文本框 14">
@@ -5876,6 +5882,7 @@
               </a:bodyPr>
               <a:lstStyle/>
               <a:p>
+                <a:pPr/>
                 <a14:m>
                   <m:oMathPara xmlns:m="http://schemas.openxmlformats.org/officeDocument/2006/math">
                     <m:oMathParaPr>
@@ -6047,7 +6054,7 @@
             </p:txBody>
           </p:sp>
         </mc:Choice>
-        <mc:Fallback>
+        <mc:Fallback xmlns="">
           <p:sp>
             <p:nvSpPr>
               <p:cNvPr id="15" name="文本框 14">
@@ -6092,8 +6099,8 @@
           </p:sp>
         </mc:Fallback>
       </mc:AlternateContent>
-      <mc:AlternateContent xmlns:mc="http://schemas.openxmlformats.org/markup-compatibility/2006">
-        <mc:Choice xmlns:a14="http://schemas.microsoft.com/office/drawing/2010/main" Requires="a14">
+      <mc:AlternateContent xmlns:mc="http://schemas.openxmlformats.org/markup-compatibility/2006" xmlns:a14="http://schemas.microsoft.com/office/drawing/2010/main">
+        <mc:Choice Requires="a14">
           <p:sp>
             <p:nvSpPr>
               <p:cNvPr id="16" name="文本框 15">
@@ -6122,6 +6129,7 @@
               </a:bodyPr>
               <a:lstStyle/>
               <a:p>
+                <a:pPr/>
                 <a14:m>
                   <m:oMathPara xmlns:m="http://schemas.openxmlformats.org/officeDocument/2006/math">
                     <m:oMathParaPr>
@@ -6168,7 +6176,7 @@
             </p:txBody>
           </p:sp>
         </mc:Choice>
-        <mc:Fallback>
+        <mc:Fallback xmlns="">
           <p:sp>
             <p:nvSpPr>
               <p:cNvPr id="16" name="文本框 15">
@@ -6404,8 +6412,8 @@
           </a:p>
         </p:txBody>
       </p:sp>
-      <mc:AlternateContent xmlns:mc="http://schemas.openxmlformats.org/markup-compatibility/2006">
-        <mc:Choice xmlns:a14="http://schemas.microsoft.com/office/drawing/2010/main" Requires="a14">
+      <mc:AlternateContent xmlns:mc="http://schemas.openxmlformats.org/markup-compatibility/2006" xmlns:a14="http://schemas.microsoft.com/office/drawing/2010/main">
+        <mc:Choice Requires="a14">
           <p:sp>
             <p:nvSpPr>
               <p:cNvPr id="7" name="文本框 6">
@@ -7940,7 +7948,7 @@
             </p:txBody>
           </p:sp>
         </mc:Choice>
-        <mc:Fallback>
+        <mc:Fallback xmlns="">
           <p:sp>
             <p:nvSpPr>
               <p:cNvPr id="7" name="文本框 6">
@@ -8088,8 +8096,8 @@
           </a:p>
         </p:txBody>
       </p:sp>
-      <mc:AlternateContent xmlns:mc="http://schemas.openxmlformats.org/markup-compatibility/2006">
-        <mc:Choice xmlns:a14="http://schemas.microsoft.com/office/drawing/2010/main" Requires="a14">
+      <mc:AlternateContent xmlns:mc="http://schemas.openxmlformats.org/markup-compatibility/2006" xmlns:a14="http://schemas.microsoft.com/office/drawing/2010/main">
+        <mc:Choice Requires="a14">
           <p:sp>
             <p:nvSpPr>
               <p:cNvPr id="3" name="文本框 2">
@@ -8597,7 +8605,7 @@
             </p:txBody>
           </p:sp>
         </mc:Choice>
-        <mc:Fallback>
+        <mc:Fallback xmlns="">
           <p:sp>
             <p:nvSpPr>
               <p:cNvPr id="3" name="文本框 2">
@@ -8642,8 +8650,8 @@
           </p:sp>
         </mc:Fallback>
       </mc:AlternateContent>
-      <mc:AlternateContent xmlns:mc="http://schemas.openxmlformats.org/markup-compatibility/2006">
-        <mc:Choice xmlns:a14="http://schemas.microsoft.com/office/drawing/2010/main" Requires="a14">
+      <mc:AlternateContent xmlns:mc="http://schemas.openxmlformats.org/markup-compatibility/2006" xmlns:a14="http://schemas.microsoft.com/office/drawing/2010/main">
+        <mc:Choice Requires="a14">
           <p:sp>
             <p:nvSpPr>
               <p:cNvPr id="30" name="矩形 29">
@@ -8764,7 +8772,7 @@
             </p:txBody>
           </p:sp>
         </mc:Choice>
-        <mc:Fallback>
+        <mc:Fallback xmlns="">
           <p:sp>
             <p:nvSpPr>
               <p:cNvPr id="30" name="矩形 29">
@@ -8863,8 +8871,8 @@
           </a:fontRef>
         </p:style>
       </p:cxnSp>
-      <mc:AlternateContent xmlns:mc="http://schemas.openxmlformats.org/markup-compatibility/2006">
-        <mc:Choice xmlns:a14="http://schemas.microsoft.com/office/drawing/2010/main" Requires="a14">
+      <mc:AlternateContent xmlns:mc="http://schemas.openxmlformats.org/markup-compatibility/2006" xmlns:a14="http://schemas.microsoft.com/office/drawing/2010/main">
+        <mc:Choice Requires="a14">
           <p:sp>
             <p:nvSpPr>
               <p:cNvPr id="34" name="矩形 33">
@@ -9028,7 +9036,7 @@
             </p:txBody>
           </p:sp>
         </mc:Choice>
-        <mc:Fallback>
+        <mc:Fallback xmlns="">
           <p:sp>
             <p:nvSpPr>
               <p:cNvPr id="34" name="矩形 33">
@@ -9127,8 +9135,8 @@
           </a:fontRef>
         </p:style>
       </p:cxnSp>
-      <mc:AlternateContent xmlns:mc="http://schemas.openxmlformats.org/markup-compatibility/2006">
-        <mc:Choice xmlns:a14="http://schemas.microsoft.com/office/drawing/2010/main" Requires="a14">
+      <mc:AlternateContent xmlns:mc="http://schemas.openxmlformats.org/markup-compatibility/2006" xmlns:a14="http://schemas.microsoft.com/office/drawing/2010/main">
+        <mc:Choice Requires="a14">
           <p:sp>
             <p:nvSpPr>
               <p:cNvPr id="36" name="矩形 35">
@@ -9292,7 +9300,7 @@
             </p:txBody>
           </p:sp>
         </mc:Choice>
-        <mc:Fallback>
+        <mc:Fallback xmlns="">
           <p:sp>
             <p:nvSpPr>
               <p:cNvPr id="36" name="矩形 35">
@@ -9391,8 +9399,8 @@
           </a:fontRef>
         </p:style>
       </p:cxnSp>
-      <mc:AlternateContent xmlns:mc="http://schemas.openxmlformats.org/markup-compatibility/2006">
-        <mc:Choice xmlns:a14="http://schemas.microsoft.com/office/drawing/2010/main" Requires="a14">
+      <mc:AlternateContent xmlns:mc="http://schemas.openxmlformats.org/markup-compatibility/2006" xmlns:a14="http://schemas.microsoft.com/office/drawing/2010/main">
+        <mc:Choice Requires="a14">
           <p:sp>
             <p:nvSpPr>
               <p:cNvPr id="38" name="矩形 37">
@@ -9578,7 +9586,7 @@
             </p:txBody>
           </p:sp>
         </mc:Choice>
-        <mc:Fallback>
+        <mc:Fallback xmlns="">
           <p:sp>
             <p:nvSpPr>
               <p:cNvPr id="38" name="矩形 37">
@@ -9675,8 +9683,8 @@
           </a:fontRef>
         </p:style>
       </p:cxnSp>
-      <mc:AlternateContent xmlns:mc="http://schemas.openxmlformats.org/markup-compatibility/2006">
-        <mc:Choice xmlns:a14="http://schemas.microsoft.com/office/drawing/2010/main" Requires="a14">
+      <mc:AlternateContent xmlns:mc="http://schemas.openxmlformats.org/markup-compatibility/2006" xmlns:a14="http://schemas.microsoft.com/office/drawing/2010/main">
+        <mc:Choice Requires="a14">
           <p:sp>
             <p:nvSpPr>
               <p:cNvPr id="41" name="矩形 40">
@@ -9862,7 +9870,7 @@
             </p:txBody>
           </p:sp>
         </mc:Choice>
-        <mc:Fallback>
+        <mc:Fallback xmlns="">
           <p:sp>
             <p:nvSpPr>
               <p:cNvPr id="41" name="矩形 40">
@@ -9961,8 +9969,8 @@
           </a:fontRef>
         </p:style>
       </p:cxnSp>
-      <mc:AlternateContent xmlns:mc="http://schemas.openxmlformats.org/markup-compatibility/2006">
-        <mc:Choice xmlns:a14="http://schemas.microsoft.com/office/drawing/2010/main" Requires="a14">
+      <mc:AlternateContent xmlns:mc="http://schemas.openxmlformats.org/markup-compatibility/2006" xmlns:a14="http://schemas.microsoft.com/office/drawing/2010/main">
+        <mc:Choice Requires="a14">
           <p:sp>
             <p:nvSpPr>
               <p:cNvPr id="45" name="矩形 44">
@@ -10126,7 +10134,7 @@
             </p:txBody>
           </p:sp>
         </mc:Choice>
-        <mc:Fallback>
+        <mc:Fallback xmlns="">
           <p:sp>
             <p:nvSpPr>
               <p:cNvPr id="45" name="矩形 44">
@@ -10179,8 +10187,8 @@
           </p:sp>
         </mc:Fallback>
       </mc:AlternateContent>
-      <mc:AlternateContent xmlns:mc="http://schemas.openxmlformats.org/markup-compatibility/2006">
-        <mc:Choice xmlns:a14="http://schemas.microsoft.com/office/drawing/2010/main" Requires="a14">
+      <mc:AlternateContent xmlns:mc="http://schemas.openxmlformats.org/markup-compatibility/2006" xmlns:a14="http://schemas.microsoft.com/office/drawing/2010/main">
+        <mc:Choice Requires="a14">
           <p:sp>
             <p:nvSpPr>
               <p:cNvPr id="47" name="文本框 46">
@@ -10416,7 +10424,7 @@
             </p:txBody>
           </p:sp>
         </mc:Choice>
-        <mc:Fallback>
+        <mc:Fallback xmlns="">
           <p:sp>
             <p:nvSpPr>
               <p:cNvPr id="47" name="文本框 46">
@@ -10461,8 +10469,8 @@
           </p:sp>
         </mc:Fallback>
       </mc:AlternateContent>
-      <mc:AlternateContent xmlns:mc="http://schemas.openxmlformats.org/markup-compatibility/2006">
-        <mc:Choice xmlns:a14="http://schemas.microsoft.com/office/drawing/2010/main" Requires="a14">
+      <mc:AlternateContent xmlns:mc="http://schemas.openxmlformats.org/markup-compatibility/2006" xmlns:a14="http://schemas.microsoft.com/office/drawing/2010/main">
+        <mc:Choice Requires="a14">
           <p:sp>
             <p:nvSpPr>
               <p:cNvPr id="48" name="文本框 47">
@@ -10698,7 +10706,7 @@
             </p:txBody>
           </p:sp>
         </mc:Choice>
-        <mc:Fallback>
+        <mc:Fallback xmlns="">
           <p:sp>
             <p:nvSpPr>
               <p:cNvPr id="48" name="文本框 47">
@@ -10789,8 +10797,8 @@
           </a:fontRef>
         </p:style>
       </p:cxnSp>
-      <mc:AlternateContent xmlns:mc="http://schemas.openxmlformats.org/markup-compatibility/2006">
-        <mc:Choice xmlns:a14="http://schemas.microsoft.com/office/drawing/2010/main" Requires="a14">
+      <mc:AlternateContent xmlns:mc="http://schemas.openxmlformats.org/markup-compatibility/2006" xmlns:a14="http://schemas.microsoft.com/office/drawing/2010/main">
+        <mc:Choice Requires="a14">
           <p:sp>
             <p:nvSpPr>
               <p:cNvPr id="63" name="矩形 62">
@@ -10954,7 +10962,7 @@
             </p:txBody>
           </p:sp>
         </mc:Choice>
-        <mc:Fallback>
+        <mc:Fallback xmlns="">
           <p:sp>
             <p:nvSpPr>
               <p:cNvPr id="63" name="矩形 62">
@@ -11007,8 +11015,8 @@
           </p:sp>
         </mc:Fallback>
       </mc:AlternateContent>
-      <mc:AlternateContent xmlns:mc="http://schemas.openxmlformats.org/markup-compatibility/2006">
-        <mc:Choice xmlns:a14="http://schemas.microsoft.com/office/drawing/2010/main" Requires="a14">
+      <mc:AlternateContent xmlns:mc="http://schemas.openxmlformats.org/markup-compatibility/2006" xmlns:a14="http://schemas.microsoft.com/office/drawing/2010/main">
+        <mc:Choice Requires="a14">
           <p:sp>
             <p:nvSpPr>
               <p:cNvPr id="70" name="文本框 69">
@@ -11042,6 +11050,7 @@
               </a:bodyPr>
               <a:lstStyle/>
               <a:p>
+                <a:pPr/>
                 <a14:m>
                   <m:oMathPara xmlns:m="http://schemas.openxmlformats.org/officeDocument/2006/math">
                     <m:oMathParaPr>
@@ -11518,7 +11527,7 @@
             </p:txBody>
           </p:sp>
         </mc:Choice>
-        <mc:Fallback>
+        <mc:Fallback xmlns="">
           <p:sp>
             <p:nvSpPr>
               <p:cNvPr id="70" name="文本框 69">
@@ -11812,8 +11821,8 @@
           </a:p>
         </p:txBody>
       </p:sp>
-      <mc:AlternateContent xmlns:mc="http://schemas.openxmlformats.org/markup-compatibility/2006">
-        <mc:Choice xmlns:a14="http://schemas.microsoft.com/office/drawing/2010/main" Requires="a14">
+      <mc:AlternateContent xmlns:mc="http://schemas.openxmlformats.org/markup-compatibility/2006" xmlns:a14="http://schemas.microsoft.com/office/drawing/2010/main">
+        <mc:Choice Requires="a14">
           <p:sp>
             <p:nvSpPr>
               <p:cNvPr id="3" name="文本框 2">
@@ -12329,7 +12338,7 @@
             </p:txBody>
           </p:sp>
         </mc:Choice>
-        <mc:Fallback>
+        <mc:Fallback xmlns="">
           <p:sp>
             <p:nvSpPr>
               <p:cNvPr id="3" name="文本框 2">
@@ -12676,8 +12685,8 @@
           </a:p>
         </p:txBody>
       </p:sp>
-      <mc:AlternateContent xmlns:mc="http://schemas.openxmlformats.org/markup-compatibility/2006">
-        <mc:Choice xmlns:a14="http://schemas.microsoft.com/office/drawing/2010/main" Requires="a14">
+      <mc:AlternateContent xmlns:mc="http://schemas.openxmlformats.org/markup-compatibility/2006" xmlns:a14="http://schemas.microsoft.com/office/drawing/2010/main">
+        <mc:Choice Requires="a14">
           <p:sp>
             <p:nvSpPr>
               <p:cNvPr id="14" name="文本框 13">
@@ -12806,7 +12815,7 @@
             </p:txBody>
           </p:sp>
         </mc:Choice>
-        <mc:Fallback>
+        <mc:Fallback xmlns="">
           <p:sp>
             <p:nvSpPr>
               <p:cNvPr id="14" name="文本框 13">
@@ -12851,8 +12860,8 @@
           </p:sp>
         </mc:Fallback>
       </mc:AlternateContent>
-      <mc:AlternateContent xmlns:mc="http://schemas.openxmlformats.org/markup-compatibility/2006">
-        <mc:Choice xmlns:a14="http://schemas.microsoft.com/office/drawing/2010/main" Requires="a14">
+      <mc:AlternateContent xmlns:mc="http://schemas.openxmlformats.org/markup-compatibility/2006" xmlns:a14="http://schemas.microsoft.com/office/drawing/2010/main">
+        <mc:Choice Requires="a14">
           <p:sp>
             <p:nvSpPr>
               <p:cNvPr id="15" name="文本框 14">
@@ -13053,7 +13062,7 @@
             </p:txBody>
           </p:sp>
         </mc:Choice>
-        <mc:Fallback>
+        <mc:Fallback xmlns="">
           <p:sp>
             <p:nvSpPr>
               <p:cNvPr id="15" name="文本框 14">
@@ -13098,8 +13107,8 @@
           </p:sp>
         </mc:Fallback>
       </mc:AlternateContent>
-      <mc:AlternateContent xmlns:mc="http://schemas.openxmlformats.org/markup-compatibility/2006">
-        <mc:Choice xmlns:a14="http://schemas.microsoft.com/office/drawing/2010/main" Requires="a14">
+      <mc:AlternateContent xmlns:mc="http://schemas.openxmlformats.org/markup-compatibility/2006" xmlns:a14="http://schemas.microsoft.com/office/drawing/2010/main">
+        <mc:Choice Requires="a14">
           <p:sp>
             <p:nvSpPr>
               <p:cNvPr id="16" name="文本框 15">
@@ -13175,7 +13184,7 @@
             </p:txBody>
           </p:sp>
         </mc:Choice>
-        <mc:Fallback>
+        <mc:Fallback xmlns="">
           <p:sp>
             <p:nvSpPr>
               <p:cNvPr id="16" name="文本框 15">
@@ -13786,47 +13795,47 @@
                     <m:sSub>
                       <m:sSubPr>
                         <m:ctrlPr>
-                          <a:rPr lang="en-US" altLang="zh-CN" sz="2400" b="0" i="1" smtClean="0">
+                          <a:rPr lang="en-US" altLang="zh-CN" sz="2400" b="1" i="1" smtClean="0">
                             <a:latin typeface="Cambria Math" panose="02040503050406030204" pitchFamily="18" charset="0"/>
                           </a:rPr>
                         </m:ctrlPr>
                       </m:sSubPr>
                       <m:e>
                         <m:r>
-                          <a:rPr lang="en-US" altLang="zh-CN" sz="2400" b="0" i="1" smtClean="0">
+                          <a:rPr lang="en-US" altLang="zh-CN" sz="2400" b="1" i="1" smtClean="0">
                             <a:latin typeface="Cambria Math" panose="02040503050406030204" pitchFamily="18" charset="0"/>
                           </a:rPr>
-                          <m:t>𝑚</m:t>
+                          <m:t>𝒎</m:t>
                         </m:r>
                       </m:e>
                       <m:sub>
                         <m:r>
-                          <a:rPr lang="en-US" altLang="zh-CN" sz="2400" b="0" i="1" smtClean="0">
+                          <a:rPr lang="en-US" altLang="zh-CN" sz="2400" b="1" i="1" smtClean="0">
                             <a:latin typeface="Cambria Math" panose="02040503050406030204" pitchFamily="18" charset="0"/>
                           </a:rPr>
-                          <m:t>𝑠𝑎𝑚𝑝𝑙𝑒</m:t>
+                          <m:t>𝒔𝒂𝒎𝒑𝒍𝒆</m:t>
                         </m:r>
                       </m:sub>
                     </m:sSub>
                   </m:oMath>
                 </a14:m>
                 <a:r>
-                  <a:rPr lang="en-US" altLang="zh-CN" sz="2400" b="0" dirty="0"/>
+                  <a:rPr lang="en-US" altLang="zh-CN" sz="2400" b="1" dirty="0"/>
                   <a:t>=1299.61</a:t>
                 </a:r>
                 <a:r>
-                  <a:rPr lang="zh-CN" altLang="en-US" sz="2400" b="0" dirty="0"/>
+                  <a:rPr lang="zh-CN" altLang="en-US" sz="2400" b="1" dirty="0"/>
                   <a:t>（</a:t>
                 </a:r>
                 <a:r>
-                  <a:rPr lang="en-US" altLang="zh-CN" sz="2400" b="0" dirty="0"/>
+                  <a:rPr lang="en-US" altLang="zh-CN" sz="2400" b="1" dirty="0"/>
                   <a:t>kg</a:t>
                 </a:r>
                 <a:r>
-                  <a:rPr lang="zh-CN" altLang="en-US" sz="2400" b="0" dirty="0"/>
+                  <a:rPr lang="zh-CN" altLang="en-US" sz="2400" b="1" dirty="0"/>
                   <a:t>）</a:t>
                 </a:r>
-                <a:endParaRPr lang="en-US" altLang="zh-CN" sz="2400" b="0" dirty="0"/>
+                <a:endParaRPr lang="en-US" altLang="zh-CN" sz="2400" b="1" dirty="0"/>
               </a:p>
               <a:p>
                 <a:endParaRPr lang="en-US" altLang="zh-CN" sz="2400" dirty="0"/>
@@ -13871,7 +13880,7 @@
               <a:blipFill>
                 <a:blip r:embed="rId2"/>
                 <a:stretch>
-                  <a:fillRect l="-741" t="-2970" b="-10396"/>
+                  <a:fillRect l="-771" t="-3061" b="-11224"/>
                 </a:stretch>
               </a:blipFill>
             </p:spPr>
@@ -13880,7 +13889,7 @@
               <a:lstStyle/>
               <a:p>
                 <a:r>
-                  <a:rPr lang="zh-CN" altLang="en-US">
+                  <a:rPr lang="en-CN">
                     <a:noFill/>
                   </a:rPr>
                   <a:t> </a:t>
@@ -13890,8 +13899,8 @@
           </p:sp>
         </mc:Fallback>
       </mc:AlternateContent>
-      <mc:AlternateContent xmlns:mc="http://schemas.openxmlformats.org/markup-compatibility/2006">
-        <mc:Choice xmlns:a14="http://schemas.microsoft.com/office/drawing/2010/main" Requires="a14">
+      <mc:AlternateContent xmlns:mc="http://schemas.openxmlformats.org/markup-compatibility/2006" xmlns:a14="http://schemas.microsoft.com/office/drawing/2010/main">
+        <mc:Choice Requires="a14">
           <p:graphicFrame>
             <p:nvGraphicFramePr>
               <p:cNvPr id="10" name="表格 9">
@@ -14764,7 +14773,7 @@
             </a:graphic>
           </p:graphicFrame>
         </mc:Choice>
-        <mc:Fallback>
+        <mc:Fallback xmlns="">
           <p:graphicFrame>
             <p:nvGraphicFramePr>
               <p:cNvPr id="10" name="表格 9">
